--- a/6.Crypto/1.Full Course/4.PublicKeyIntroRSA/Cryptology4-Public-Key-Intro-RSA.pptx
+++ b/6.Crypto/1.Full Course/4.PublicKeyIntroRSA/Cryptology4-Public-Key-Intro-RSA.pptx
@@ -217,7 +217,7 @@
           <a:p>
             <a:fld id="{2AC0D433-9248-46F4-9682-6CC4E8F4FBC6}" type="datetimeFigureOut">
               <a:rPr lang="en-US" smtClean="0"/>
-              <a:t>2/14/2023</a:t>
+              <a:t>2/16/2024</a:t>
             </a:fld>
             <a:endParaRPr lang="en-US"/>
           </a:p>
@@ -2845,7 +2845,7 @@
           <a:p>
             <a:fld id="{C3E06BAD-05F5-44A9-B5C5-B831AE20BFF1}" type="datetimeFigureOut">
               <a:rPr lang="en-US" smtClean="0"/>
-              <a:t>2/14/2023</a:t>
+              <a:t>2/16/2024</a:t>
             </a:fld>
             <a:endParaRPr lang="en-US"/>
           </a:p>
@@ -3043,7 +3043,7 @@
           <a:p>
             <a:fld id="{C3E06BAD-05F5-44A9-B5C5-B831AE20BFF1}" type="datetimeFigureOut">
               <a:rPr lang="en-US" smtClean="0"/>
-              <a:t>2/14/2023</a:t>
+              <a:t>2/16/2024</a:t>
             </a:fld>
             <a:endParaRPr lang="en-US"/>
           </a:p>
@@ -3251,7 +3251,7 @@
           <a:p>
             <a:fld id="{C3E06BAD-05F5-44A9-B5C5-B831AE20BFF1}" type="datetimeFigureOut">
               <a:rPr lang="en-US" smtClean="0"/>
-              <a:t>2/14/2023</a:t>
+              <a:t>2/16/2024</a:t>
             </a:fld>
             <a:endParaRPr lang="en-US"/>
           </a:p>
@@ -3449,7 +3449,7 @@
           <a:p>
             <a:fld id="{C3E06BAD-05F5-44A9-B5C5-B831AE20BFF1}" type="datetimeFigureOut">
               <a:rPr lang="en-US" smtClean="0"/>
-              <a:t>2/14/2023</a:t>
+              <a:t>2/16/2024</a:t>
             </a:fld>
             <a:endParaRPr lang="en-US"/>
           </a:p>
@@ -3724,7 +3724,7 @@
           <a:p>
             <a:fld id="{C3E06BAD-05F5-44A9-B5C5-B831AE20BFF1}" type="datetimeFigureOut">
               <a:rPr lang="en-US" smtClean="0"/>
-              <a:t>2/14/2023</a:t>
+              <a:t>2/16/2024</a:t>
             </a:fld>
             <a:endParaRPr lang="en-US"/>
           </a:p>
@@ -3989,7 +3989,7 @@
           <a:p>
             <a:fld id="{C3E06BAD-05F5-44A9-B5C5-B831AE20BFF1}" type="datetimeFigureOut">
               <a:rPr lang="en-US" smtClean="0"/>
-              <a:t>2/14/2023</a:t>
+              <a:t>2/16/2024</a:t>
             </a:fld>
             <a:endParaRPr lang="en-US"/>
           </a:p>
@@ -4401,7 +4401,7 @@
           <a:p>
             <a:fld id="{C3E06BAD-05F5-44A9-B5C5-B831AE20BFF1}" type="datetimeFigureOut">
               <a:rPr lang="en-US" smtClean="0"/>
-              <a:t>2/14/2023</a:t>
+              <a:t>2/16/2024</a:t>
             </a:fld>
             <a:endParaRPr lang="en-US"/>
           </a:p>
@@ -4542,7 +4542,7 @@
           <a:p>
             <a:fld id="{C3E06BAD-05F5-44A9-B5C5-B831AE20BFF1}" type="datetimeFigureOut">
               <a:rPr lang="en-US" smtClean="0"/>
-              <a:t>2/14/2023</a:t>
+              <a:t>2/16/2024</a:t>
             </a:fld>
             <a:endParaRPr lang="en-US"/>
           </a:p>
@@ -4655,7 +4655,7 @@
           <a:p>
             <a:fld id="{C3E06BAD-05F5-44A9-B5C5-B831AE20BFF1}" type="datetimeFigureOut">
               <a:rPr lang="en-US" smtClean="0"/>
-              <a:t>2/14/2023</a:t>
+              <a:t>2/16/2024</a:t>
             </a:fld>
             <a:endParaRPr lang="en-US"/>
           </a:p>
@@ -4966,7 +4966,7 @@
           <a:p>
             <a:fld id="{C3E06BAD-05F5-44A9-B5C5-B831AE20BFF1}" type="datetimeFigureOut">
               <a:rPr lang="en-US" smtClean="0"/>
-              <a:t>2/14/2023</a:t>
+              <a:t>2/16/2024</a:t>
             </a:fld>
             <a:endParaRPr lang="en-US"/>
           </a:p>
@@ -5254,7 +5254,7 @@
           <a:p>
             <a:fld id="{C3E06BAD-05F5-44A9-B5C5-B831AE20BFF1}" type="datetimeFigureOut">
               <a:rPr lang="en-US" smtClean="0"/>
-              <a:t>2/14/2023</a:t>
+              <a:t>2/16/2024</a:t>
             </a:fld>
             <a:endParaRPr lang="en-US"/>
           </a:p>
@@ -5495,7 +5495,7 @@
           <a:p>
             <a:fld id="{C3E06BAD-05F5-44A9-B5C5-B831AE20BFF1}" type="datetimeFigureOut">
               <a:rPr lang="en-US" smtClean="0"/>
-              <a:t>2/14/2023</a:t>
+              <a:t>2/16/2024</a:t>
             </a:fld>
             <a:endParaRPr lang="en-US"/>
           </a:p>
@@ -6325,19 +6325,23 @@
                   <a:srgbClr val="FFFF00"/>
                 </a:highlight>
               </a:rPr>
-              <a:t> mod n  </a:t>
+              <a:t> mod </a:t>
+            </a:r>
+            <a:r>
+              <a:rPr lang="en-US" sz="2400">
+                <a:highlight>
+                  <a:srgbClr val="FFFF00"/>
+                </a:highlight>
+              </a:rPr>
+              <a:t>n  </a:t>
+            </a:r>
+            <a:r>
+              <a:rPr lang="en-US" sz="2400"/>
+              <a:t>--hard to solve for x </a:t>
             </a:r>
             <a:r>
               <a:rPr lang="en-US" sz="2400" dirty="0"/>
-              <a:t>is very hard to solve by brute force.  All the numbers are huge (e can be as small </a:t>
-            </a:r>
-            <a:r>
-              <a:rPr lang="en-US" sz="2400"/>
-              <a:t>as 65537 </a:t>
-            </a:r>
-            <a:r>
-              <a:rPr lang="en-US" sz="2400" dirty="0"/>
-              <a:t>but x and n are around 2048 bits long) so ‘wraps’ a huge number of times, and the modulus is huge as well.</a:t>
+              <a:t>by brute force.  All the numbers are huge (e can be as small as 65537 but x and n are around 2048 bits long) so ‘wraps’ a huge number of times, and the modulus is huge as well.</a:t>
             </a:r>
           </a:p>
           <a:p>
@@ -6347,7 +6351,7 @@
             </a:pPr>
             <a:r>
               <a:rPr lang="en-US" sz="2400" dirty="0"/>
-              <a:t>You have to know a secret to solve it</a:t>
+              <a:t>You must know a secret to solve it</a:t>
             </a:r>
           </a:p>
         </p:txBody>
@@ -6589,7 +6593,7 @@
           <a:p>
             <a:r>
               <a:rPr lang="en-US" dirty="0"/>
-              <a:t>The number d is a secret that must be computed</a:t>
+              <a:t>The number d is a secret that must be computed, e*d mod n = 1</a:t>
             </a:r>
           </a:p>
           <a:p>
@@ -8223,7 +8227,9 @@
         </p:nvSpPr>
         <p:spPr/>
         <p:txBody>
-          <a:bodyPr/>
+          <a:bodyPr>
+            <a:normAutofit/>
+          </a:bodyPr>
           <a:lstStyle/>
           <a:p>
             <a:r>
@@ -9025,20 +9031,8 @@
           <a:p>
             <a:pPr lvl="1"/>
             <a:r>
-              <a:rPr lang="en-US" dirty="0" err="1"/>
-              <a:t>Rivest</a:t>
-            </a:r>
-            <a:r>
-              <a:rPr lang="en-US" dirty="0"/>
-              <a:t>, Shamir, and </a:t>
-            </a:r>
-            <a:r>
-              <a:rPr lang="en-US" dirty="0" err="1"/>
-              <a:t>Adlemen</a:t>
-            </a:r>
-            <a:r>
-              <a:rPr lang="en-US" dirty="0"/>
-              <a:t> went on to found RSA Corporation</a:t>
+              <a:rPr lang="en-US" dirty="0"/>
+              <a:t>Rivest, Shamir, and Adleman went on to found RSA Corporation</a:t>
             </a:r>
           </a:p>
           <a:p>
